--- a/src/DuoVia.MpiVisor/Docs/mpivisor.pptx
+++ b/src/DuoVia.MpiVisor/Docs/mpivisor.pptx
@@ -5,10 +5,10 @@
     <p:sldMasterId id="2147483648" r:id="rId2"/>
   </p:sldMasterIdLst>
   <p:notesMasterIdLst>
-    <p:notesMasterId r:id="rId18"/>
+    <p:notesMasterId r:id="rId20"/>
   </p:notesMasterIdLst>
   <p:handoutMasterIdLst>
-    <p:handoutMasterId r:id="rId19"/>
+    <p:handoutMasterId r:id="rId21"/>
   </p:handoutMasterIdLst>
   <p:sldIdLst>
     <p:sldId id="256" r:id="rId3"/>
@@ -24,8 +24,10 @@
     <p:sldId id="287" r:id="rId13"/>
     <p:sldId id="286" r:id="rId14"/>
     <p:sldId id="276" r:id="rId15"/>
-    <p:sldId id="289" r:id="rId16"/>
-    <p:sldId id="288" r:id="rId17"/>
+    <p:sldId id="290" r:id="rId16"/>
+    <p:sldId id="291" r:id="rId17"/>
+    <p:sldId id="289" r:id="rId18"/>
+    <p:sldId id="288" r:id="rId19"/>
   </p:sldIdLst>
   <p:sldSz cx="12192000" cy="6858000"/>
   <p:notesSz cx="6858000" cy="9144000"/>
@@ -7088,7 +7090,7 @@
         <p:spPr/>
         <p:txBody>
           <a:bodyPr>
-            <a:normAutofit/>
+            <a:noAutofit/>
           </a:bodyPr>
           <a:lstStyle/>
           <a:p>
@@ -7102,13 +7104,13 @@
             </a:r>
             <a:r>
               <a:rPr lang="en-US" sz="4000" dirty="0" err="1" smtClean="0"/>
-              <a:t>.DoCodeReview</a:t>
+              <a:t>.GetApplicability</a:t>
             </a:r>
             <a:r>
               <a:rPr lang="en-US" sz="4000" dirty="0" smtClean="0"/>
               <a:t>()</a:t>
             </a:r>
-            <a:endParaRPr sz="3600" dirty="0"/>
+            <a:endParaRPr sz="4000" dirty="0"/>
           </a:p>
         </p:txBody>
       </p:sp>
@@ -7122,159 +7124,951 @@
             <p:ph idx="1"/>
           </p:nvPr>
         </p:nvSpPr>
-        <p:spPr/>
+        <p:spPr>
+          <a:xfrm>
+            <a:off x="1524000" y="1828800"/>
+            <a:ext cx="9144000" cy="4495800"/>
+          </a:xfrm>
+        </p:spPr>
         <p:txBody>
           <a:bodyPr>
             <a:normAutofit/>
           </a:bodyPr>
           <a:lstStyle/>
           <a:p>
-            <a:pPr marL="0" indent="0">
-              <a:buNone/>
-            </a:pPr>
+            <a:r>
+              <a:rPr lang="en-US" sz="3600" dirty="0" smtClean="0"/>
+              <a:t>Where should I use </a:t>
+            </a:r>
+            <a:r>
+              <a:rPr lang="en-US" sz="3600" dirty="0" err="1" smtClean="0"/>
+              <a:t>MpiVisor</a:t>
+            </a:r>
+            <a:r>
+              <a:rPr lang="en-US" sz="3600" dirty="0" smtClean="0"/>
+              <a:t>?</a:t>
+            </a:r>
+          </a:p>
+          <a:p>
+            <a:pPr lvl="1"/>
             <a:r>
               <a:rPr lang="en-US" sz="3200" dirty="0" smtClean="0"/>
-              <a:t>&lt;</a:t>
-            </a:r>
-            <a:r>
-              <a:rPr lang="en-US" sz="3200" dirty="0" err="1" smtClean="0"/>
-              <a:t>codeReview</a:t>
-            </a:r>
+              <a:t>Large work sets that </a:t>
+            </a:r>
+          </a:p>
+          <a:p>
+            <a:pPr lvl="2"/>
+            <a:r>
+              <a:rPr lang="en-US" sz="3000" dirty="0" smtClean="0"/>
+              <a:t>Can be broken into chunks</a:t>
+            </a:r>
+          </a:p>
+          <a:p>
+            <a:pPr lvl="2"/>
+            <a:r>
+              <a:rPr lang="en-US" sz="3000" dirty="0" smtClean="0"/>
+              <a:t>Chunks can be processed independently</a:t>
+            </a:r>
+          </a:p>
+          <a:p>
+            <a:pPr lvl="1"/>
             <a:r>
               <a:rPr lang="en-US" sz="3200" dirty="0" smtClean="0"/>
-              <a:t>&gt;</a:t>
-            </a:r>
-            <a:br>
+              <a:t>Map-Reduce problem set </a:t>
+            </a:r>
+          </a:p>
+          <a:p>
+            <a:pPr lvl="2"/>
+            <a:r>
+              <a:rPr lang="en-US" sz="3000" dirty="0" smtClean="0"/>
+              <a:t>Slave agents process the “map” data</a:t>
+            </a:r>
+          </a:p>
+          <a:p>
+            <a:pPr lvl="2"/>
+            <a:r>
+              <a:rPr lang="en-US" sz="3000" dirty="0" smtClean="0"/>
+              <a:t>Results to master for “reduce” function</a:t>
+            </a:r>
+          </a:p>
+          <a:p>
+            <a:pPr lvl="1"/>
+            <a:r>
               <a:rPr lang="en-US" sz="3200" dirty="0" smtClean="0"/>
-            </a:br>
-            <a:r>
-              <a:rPr lang="en-US" sz="3200" dirty="0" smtClean="0"/>
-              <a:t>   &lt;</a:t>
-            </a:r>
-            <a:r>
-              <a:rPr lang="en-US" sz="3200" dirty="0" err="1" smtClean="0"/>
-              <a:t>openQnA</a:t>
-            </a:r>
-            <a:r>
-              <a:rPr lang="en-US" sz="3200" dirty="0" smtClean="0"/>
-              <a:t>&gt;</a:t>
-            </a:r>
-          </a:p>
-          <a:p>
-            <a:pPr marL="0" indent="0">
-              <a:buNone/>
-            </a:pPr>
-            <a:r>
-              <a:rPr lang="en-US" sz="3200" dirty="0" smtClean="0"/>
-              <a:t>      </a:t>
-            </a:r>
-            <a:r>
-              <a:rPr lang="en-US" sz="3200" dirty="0"/>
-              <a:t>&lt;</a:t>
-            </a:r>
-            <a:r>
-              <a:rPr lang="en-US" sz="3200" dirty="0" err="1"/>
-              <a:t>askEasyQuestions</a:t>
-            </a:r>
-            <a:r>
-              <a:rPr lang="en-US" sz="3200" dirty="0"/>
-              <a:t> </a:t>
-            </a:r>
-            <a:r>
-              <a:rPr lang="en-US" sz="3200" dirty="0" smtClean="0"/>
-              <a:t>/&gt;</a:t>
-            </a:r>
-          </a:p>
-          <a:p>
-            <a:pPr marL="0" indent="0">
-              <a:buNone/>
-            </a:pPr>
-            <a:r>
-              <a:rPr lang="en-US" sz="3200" dirty="0" smtClean="0"/>
-              <a:t>      </a:t>
-            </a:r>
-            <a:r>
-              <a:rPr lang="en-US" sz="3200" dirty="0" smtClean="0">
-                <a:solidFill>
-                  <a:srgbClr val="92D050"/>
-                </a:solidFill>
-              </a:rPr>
-              <a:t>&lt;!-- &lt;</a:t>
-            </a:r>
-            <a:r>
-              <a:rPr lang="en-US" sz="3200" dirty="0" err="1" smtClean="0">
-                <a:solidFill>
-                  <a:srgbClr val="92D050"/>
-                </a:solidFill>
-              </a:rPr>
-              <a:t>stumpTheDummy</a:t>
-            </a:r>
-            <a:r>
-              <a:rPr lang="en-US" sz="3200" dirty="0" smtClean="0">
-                <a:solidFill>
-                  <a:srgbClr val="92D050"/>
-                </a:solidFill>
-              </a:rPr>
-              <a:t> /&gt; --&gt;</a:t>
-            </a:r>
-          </a:p>
-          <a:p>
-            <a:pPr marL="0" indent="0">
-              <a:buNone/>
-            </a:pPr>
-            <a:r>
-              <a:rPr lang="en-US" sz="3200" dirty="0" smtClean="0"/>
-              <a:t>&lt;/</a:t>
-            </a:r>
-            <a:r>
-              <a:rPr lang="en-US" sz="3200" dirty="0" err="1" smtClean="0"/>
-              <a:t>openQnA</a:t>
-            </a:r>
-            <a:r>
-              <a:rPr lang="en-US" sz="3200" dirty="0" smtClean="0"/>
-              <a:t>&gt;</a:t>
-            </a:r>
-            <a:br>
-              <a:rPr lang="en-US" sz="3200" dirty="0" smtClean="0"/>
-            </a:br>
-            <a:r>
-              <a:rPr lang="en-US" sz="3200" dirty="0" smtClean="0"/>
-              <a:t>&lt;/</a:t>
-            </a:r>
-            <a:r>
-              <a:rPr lang="en-US" sz="3200" dirty="0" err="1" smtClean="0"/>
-              <a:t>codeReview</a:t>
-            </a:r>
-            <a:r>
-              <a:rPr lang="en-US" sz="3200" dirty="0" smtClean="0"/>
-              <a:t>&gt;</a:t>
-            </a:r>
-            <a:endParaRPr sz="3200" dirty="0"/>
+              <a:t>What else?</a:t>
+            </a:r>
           </a:p>
         </p:txBody>
       </p:sp>
     </p:spTree>
     <p:extLst>
       <p:ext uri="{BB962C8B-B14F-4D97-AF65-F5344CB8AC3E}">
-        <p14:creationId xmlns:p14="http://schemas.microsoft.com/office/powerpoint/2010/main" val="826243298"/>
+        <p14:creationId xmlns:p14="http://schemas.microsoft.com/office/powerpoint/2010/main" val="2862772896"/>
       </p:ext>
     </p:extLst>
   </p:cSld>
   <p:clrMapOvr>
     <a:masterClrMapping/>
   </p:clrMapOvr>
-  <mc:AlternateContent xmlns:mc="http://schemas.openxmlformats.org/markup-compatibility/2006" xmlns:p14="http://schemas.microsoft.com/office/powerpoint/2010/main">
-    <mc:Choice Requires="p14">
+  <mc:AlternateContent xmlns:mc="http://schemas.openxmlformats.org/markup-compatibility/2006">
+    <mc:Choice xmlns:p14="http://schemas.microsoft.com/office/powerpoint/2010/main" Requires="p14">
       <p:transition spd="slow" p14:dur="2000"/>
     </mc:Choice>
-    <mc:Fallback xmlns="">
+    <mc:Fallback>
       <p:transition spd="slow"/>
     </mc:Fallback>
   </mc:AlternateContent>
   <p:timing>
     <p:tnLst>
       <p:par>
-        <p:cTn id="1" dur="indefinite" restart="never" nodeType="tmRoot"/>
+        <p:cTn id="1" dur="indefinite" restart="never" nodeType="tmRoot">
+          <p:childTnLst>
+            <p:seq concurrent="1" nextAc="seek">
+              <p:cTn id="2" dur="indefinite" nodeType="mainSeq">
+                <p:childTnLst>
+                  <p:par>
+                    <p:cTn id="3" fill="hold">
+                      <p:stCondLst>
+                        <p:cond delay="indefinite"/>
+                      </p:stCondLst>
+                      <p:childTnLst>
+                        <p:par>
+                          <p:cTn id="4" fill="hold">
+                            <p:stCondLst>
+                              <p:cond delay="0"/>
+                            </p:stCondLst>
+                            <p:childTnLst>
+                              <p:par>
+                                <p:cTn id="5" presetID="2" presetClass="entr" presetSubtype="4" fill="hold" nodeType="clickEffect">
+                                  <p:stCondLst>
+                                    <p:cond delay="0"/>
+                                  </p:stCondLst>
+                                  <p:childTnLst>
+                                    <p:set>
+                                      <p:cBhvr>
+                                        <p:cTn id="6" dur="1" fill="hold">
+                                          <p:stCondLst>
+                                            <p:cond delay="0"/>
+                                          </p:stCondLst>
+                                        </p:cTn>
+                                        <p:tgtEl>
+                                          <p:spTgt spid="14">
+                                            <p:txEl>
+                                              <p:pRg st="0" end="0"/>
+                                            </p:txEl>
+                                          </p:spTgt>
+                                        </p:tgtEl>
+                                        <p:attrNameLst>
+                                          <p:attrName>style.visibility</p:attrName>
+                                        </p:attrNameLst>
+                                      </p:cBhvr>
+                                      <p:to>
+                                        <p:strVal val="visible"/>
+                                      </p:to>
+                                    </p:set>
+                                    <p:anim calcmode="lin" valueType="num">
+                                      <p:cBhvr additive="base">
+                                        <p:cTn id="7" dur="500" fill="hold"/>
+                                        <p:tgtEl>
+                                          <p:spTgt spid="14">
+                                            <p:txEl>
+                                              <p:pRg st="0" end="0"/>
+                                            </p:txEl>
+                                          </p:spTgt>
+                                        </p:tgtEl>
+                                        <p:attrNameLst>
+                                          <p:attrName>ppt_x</p:attrName>
+                                        </p:attrNameLst>
+                                      </p:cBhvr>
+                                      <p:tavLst>
+                                        <p:tav tm="0">
+                                          <p:val>
+                                            <p:strVal val="#ppt_x"/>
+                                          </p:val>
+                                        </p:tav>
+                                        <p:tav tm="100000">
+                                          <p:val>
+                                            <p:strVal val="#ppt_x"/>
+                                          </p:val>
+                                        </p:tav>
+                                      </p:tavLst>
+                                    </p:anim>
+                                    <p:anim calcmode="lin" valueType="num">
+                                      <p:cBhvr additive="base">
+                                        <p:cTn id="8" dur="500" fill="hold"/>
+                                        <p:tgtEl>
+                                          <p:spTgt spid="14">
+                                            <p:txEl>
+                                              <p:pRg st="0" end="0"/>
+                                            </p:txEl>
+                                          </p:spTgt>
+                                        </p:tgtEl>
+                                        <p:attrNameLst>
+                                          <p:attrName>ppt_y</p:attrName>
+                                        </p:attrNameLst>
+                                      </p:cBhvr>
+                                      <p:tavLst>
+                                        <p:tav tm="0">
+                                          <p:val>
+                                            <p:strVal val="1+#ppt_h/2"/>
+                                          </p:val>
+                                        </p:tav>
+                                        <p:tav tm="100000">
+                                          <p:val>
+                                            <p:strVal val="#ppt_y"/>
+                                          </p:val>
+                                        </p:tav>
+                                      </p:tavLst>
+                                    </p:anim>
+                                  </p:childTnLst>
+                                </p:cTn>
+                              </p:par>
+                            </p:childTnLst>
+                          </p:cTn>
+                        </p:par>
+                      </p:childTnLst>
+                    </p:cTn>
+                  </p:par>
+                  <p:par>
+                    <p:cTn id="9" fill="hold">
+                      <p:stCondLst>
+                        <p:cond delay="indefinite"/>
+                      </p:stCondLst>
+                      <p:childTnLst>
+                        <p:par>
+                          <p:cTn id="10" fill="hold">
+                            <p:stCondLst>
+                              <p:cond delay="0"/>
+                            </p:stCondLst>
+                            <p:childTnLst>
+                              <p:par>
+                                <p:cTn id="11" presetID="2" presetClass="entr" presetSubtype="4" fill="hold" nodeType="clickEffect">
+                                  <p:stCondLst>
+                                    <p:cond delay="0"/>
+                                  </p:stCondLst>
+                                  <p:childTnLst>
+                                    <p:set>
+                                      <p:cBhvr>
+                                        <p:cTn id="12" dur="1" fill="hold">
+                                          <p:stCondLst>
+                                            <p:cond delay="0"/>
+                                          </p:stCondLst>
+                                        </p:cTn>
+                                        <p:tgtEl>
+                                          <p:spTgt spid="14">
+                                            <p:txEl>
+                                              <p:pRg st="1" end="1"/>
+                                            </p:txEl>
+                                          </p:spTgt>
+                                        </p:tgtEl>
+                                        <p:attrNameLst>
+                                          <p:attrName>style.visibility</p:attrName>
+                                        </p:attrNameLst>
+                                      </p:cBhvr>
+                                      <p:to>
+                                        <p:strVal val="visible"/>
+                                      </p:to>
+                                    </p:set>
+                                    <p:anim calcmode="lin" valueType="num">
+                                      <p:cBhvr additive="base">
+                                        <p:cTn id="13" dur="500" fill="hold"/>
+                                        <p:tgtEl>
+                                          <p:spTgt spid="14">
+                                            <p:txEl>
+                                              <p:pRg st="1" end="1"/>
+                                            </p:txEl>
+                                          </p:spTgt>
+                                        </p:tgtEl>
+                                        <p:attrNameLst>
+                                          <p:attrName>ppt_x</p:attrName>
+                                        </p:attrNameLst>
+                                      </p:cBhvr>
+                                      <p:tavLst>
+                                        <p:tav tm="0">
+                                          <p:val>
+                                            <p:strVal val="#ppt_x"/>
+                                          </p:val>
+                                        </p:tav>
+                                        <p:tav tm="100000">
+                                          <p:val>
+                                            <p:strVal val="#ppt_x"/>
+                                          </p:val>
+                                        </p:tav>
+                                      </p:tavLst>
+                                    </p:anim>
+                                    <p:anim calcmode="lin" valueType="num">
+                                      <p:cBhvr additive="base">
+                                        <p:cTn id="14" dur="500" fill="hold"/>
+                                        <p:tgtEl>
+                                          <p:spTgt spid="14">
+                                            <p:txEl>
+                                              <p:pRg st="1" end="1"/>
+                                            </p:txEl>
+                                          </p:spTgt>
+                                        </p:tgtEl>
+                                        <p:attrNameLst>
+                                          <p:attrName>ppt_y</p:attrName>
+                                        </p:attrNameLst>
+                                      </p:cBhvr>
+                                      <p:tavLst>
+                                        <p:tav tm="0">
+                                          <p:val>
+                                            <p:strVal val="1+#ppt_h/2"/>
+                                          </p:val>
+                                        </p:tav>
+                                        <p:tav tm="100000">
+                                          <p:val>
+                                            <p:strVal val="#ppt_y"/>
+                                          </p:val>
+                                        </p:tav>
+                                      </p:tavLst>
+                                    </p:anim>
+                                  </p:childTnLst>
+                                </p:cTn>
+                              </p:par>
+                            </p:childTnLst>
+                          </p:cTn>
+                        </p:par>
+                      </p:childTnLst>
+                    </p:cTn>
+                  </p:par>
+                  <p:par>
+                    <p:cTn id="15" fill="hold">
+                      <p:stCondLst>
+                        <p:cond delay="indefinite"/>
+                      </p:stCondLst>
+                      <p:childTnLst>
+                        <p:par>
+                          <p:cTn id="16" fill="hold">
+                            <p:stCondLst>
+                              <p:cond delay="0"/>
+                            </p:stCondLst>
+                            <p:childTnLst>
+                              <p:par>
+                                <p:cTn id="17" presetID="2" presetClass="entr" presetSubtype="4" fill="hold" nodeType="clickEffect">
+                                  <p:stCondLst>
+                                    <p:cond delay="0"/>
+                                  </p:stCondLst>
+                                  <p:childTnLst>
+                                    <p:set>
+                                      <p:cBhvr>
+                                        <p:cTn id="18" dur="1" fill="hold">
+                                          <p:stCondLst>
+                                            <p:cond delay="0"/>
+                                          </p:stCondLst>
+                                        </p:cTn>
+                                        <p:tgtEl>
+                                          <p:spTgt spid="14">
+                                            <p:txEl>
+                                              <p:pRg st="2" end="2"/>
+                                            </p:txEl>
+                                          </p:spTgt>
+                                        </p:tgtEl>
+                                        <p:attrNameLst>
+                                          <p:attrName>style.visibility</p:attrName>
+                                        </p:attrNameLst>
+                                      </p:cBhvr>
+                                      <p:to>
+                                        <p:strVal val="visible"/>
+                                      </p:to>
+                                    </p:set>
+                                    <p:anim calcmode="lin" valueType="num">
+                                      <p:cBhvr additive="base">
+                                        <p:cTn id="19" dur="500" fill="hold"/>
+                                        <p:tgtEl>
+                                          <p:spTgt spid="14">
+                                            <p:txEl>
+                                              <p:pRg st="2" end="2"/>
+                                            </p:txEl>
+                                          </p:spTgt>
+                                        </p:tgtEl>
+                                        <p:attrNameLst>
+                                          <p:attrName>ppt_x</p:attrName>
+                                        </p:attrNameLst>
+                                      </p:cBhvr>
+                                      <p:tavLst>
+                                        <p:tav tm="0">
+                                          <p:val>
+                                            <p:strVal val="#ppt_x"/>
+                                          </p:val>
+                                        </p:tav>
+                                        <p:tav tm="100000">
+                                          <p:val>
+                                            <p:strVal val="#ppt_x"/>
+                                          </p:val>
+                                        </p:tav>
+                                      </p:tavLst>
+                                    </p:anim>
+                                    <p:anim calcmode="lin" valueType="num">
+                                      <p:cBhvr additive="base">
+                                        <p:cTn id="20" dur="500" fill="hold"/>
+                                        <p:tgtEl>
+                                          <p:spTgt spid="14">
+                                            <p:txEl>
+                                              <p:pRg st="2" end="2"/>
+                                            </p:txEl>
+                                          </p:spTgt>
+                                        </p:tgtEl>
+                                        <p:attrNameLst>
+                                          <p:attrName>ppt_y</p:attrName>
+                                        </p:attrNameLst>
+                                      </p:cBhvr>
+                                      <p:tavLst>
+                                        <p:tav tm="0">
+                                          <p:val>
+                                            <p:strVal val="1+#ppt_h/2"/>
+                                          </p:val>
+                                        </p:tav>
+                                        <p:tav tm="100000">
+                                          <p:val>
+                                            <p:strVal val="#ppt_y"/>
+                                          </p:val>
+                                        </p:tav>
+                                      </p:tavLst>
+                                    </p:anim>
+                                  </p:childTnLst>
+                                </p:cTn>
+                              </p:par>
+                            </p:childTnLst>
+                          </p:cTn>
+                        </p:par>
+                      </p:childTnLst>
+                    </p:cTn>
+                  </p:par>
+                  <p:par>
+                    <p:cTn id="21" fill="hold">
+                      <p:stCondLst>
+                        <p:cond delay="indefinite"/>
+                      </p:stCondLst>
+                      <p:childTnLst>
+                        <p:par>
+                          <p:cTn id="22" fill="hold">
+                            <p:stCondLst>
+                              <p:cond delay="0"/>
+                            </p:stCondLst>
+                            <p:childTnLst>
+                              <p:par>
+                                <p:cTn id="23" presetID="2" presetClass="entr" presetSubtype="4" fill="hold" nodeType="clickEffect">
+                                  <p:stCondLst>
+                                    <p:cond delay="0"/>
+                                  </p:stCondLst>
+                                  <p:childTnLst>
+                                    <p:set>
+                                      <p:cBhvr>
+                                        <p:cTn id="24" dur="1" fill="hold">
+                                          <p:stCondLst>
+                                            <p:cond delay="0"/>
+                                          </p:stCondLst>
+                                        </p:cTn>
+                                        <p:tgtEl>
+                                          <p:spTgt spid="14">
+                                            <p:txEl>
+                                              <p:pRg st="3" end="3"/>
+                                            </p:txEl>
+                                          </p:spTgt>
+                                        </p:tgtEl>
+                                        <p:attrNameLst>
+                                          <p:attrName>style.visibility</p:attrName>
+                                        </p:attrNameLst>
+                                      </p:cBhvr>
+                                      <p:to>
+                                        <p:strVal val="visible"/>
+                                      </p:to>
+                                    </p:set>
+                                    <p:anim calcmode="lin" valueType="num">
+                                      <p:cBhvr additive="base">
+                                        <p:cTn id="25" dur="500" fill="hold"/>
+                                        <p:tgtEl>
+                                          <p:spTgt spid="14">
+                                            <p:txEl>
+                                              <p:pRg st="3" end="3"/>
+                                            </p:txEl>
+                                          </p:spTgt>
+                                        </p:tgtEl>
+                                        <p:attrNameLst>
+                                          <p:attrName>ppt_x</p:attrName>
+                                        </p:attrNameLst>
+                                      </p:cBhvr>
+                                      <p:tavLst>
+                                        <p:tav tm="0">
+                                          <p:val>
+                                            <p:strVal val="#ppt_x"/>
+                                          </p:val>
+                                        </p:tav>
+                                        <p:tav tm="100000">
+                                          <p:val>
+                                            <p:strVal val="#ppt_x"/>
+                                          </p:val>
+                                        </p:tav>
+                                      </p:tavLst>
+                                    </p:anim>
+                                    <p:anim calcmode="lin" valueType="num">
+                                      <p:cBhvr additive="base">
+                                        <p:cTn id="26" dur="500" fill="hold"/>
+                                        <p:tgtEl>
+                                          <p:spTgt spid="14">
+                                            <p:txEl>
+                                              <p:pRg st="3" end="3"/>
+                                            </p:txEl>
+                                          </p:spTgt>
+                                        </p:tgtEl>
+                                        <p:attrNameLst>
+                                          <p:attrName>ppt_y</p:attrName>
+                                        </p:attrNameLst>
+                                      </p:cBhvr>
+                                      <p:tavLst>
+                                        <p:tav tm="0">
+                                          <p:val>
+                                            <p:strVal val="1+#ppt_h/2"/>
+                                          </p:val>
+                                        </p:tav>
+                                        <p:tav tm="100000">
+                                          <p:val>
+                                            <p:strVal val="#ppt_y"/>
+                                          </p:val>
+                                        </p:tav>
+                                      </p:tavLst>
+                                    </p:anim>
+                                  </p:childTnLst>
+                                </p:cTn>
+                              </p:par>
+                            </p:childTnLst>
+                          </p:cTn>
+                        </p:par>
+                      </p:childTnLst>
+                    </p:cTn>
+                  </p:par>
+                  <p:par>
+                    <p:cTn id="27" fill="hold">
+                      <p:stCondLst>
+                        <p:cond delay="indefinite"/>
+                      </p:stCondLst>
+                      <p:childTnLst>
+                        <p:par>
+                          <p:cTn id="28" fill="hold">
+                            <p:stCondLst>
+                              <p:cond delay="0"/>
+                            </p:stCondLst>
+                            <p:childTnLst>
+                              <p:par>
+                                <p:cTn id="29" presetID="2" presetClass="entr" presetSubtype="4" fill="hold" nodeType="clickEffect">
+                                  <p:stCondLst>
+                                    <p:cond delay="0"/>
+                                  </p:stCondLst>
+                                  <p:childTnLst>
+                                    <p:set>
+                                      <p:cBhvr>
+                                        <p:cTn id="30" dur="1" fill="hold">
+                                          <p:stCondLst>
+                                            <p:cond delay="0"/>
+                                          </p:stCondLst>
+                                        </p:cTn>
+                                        <p:tgtEl>
+                                          <p:spTgt spid="14">
+                                            <p:txEl>
+                                              <p:pRg st="4" end="4"/>
+                                            </p:txEl>
+                                          </p:spTgt>
+                                        </p:tgtEl>
+                                        <p:attrNameLst>
+                                          <p:attrName>style.visibility</p:attrName>
+                                        </p:attrNameLst>
+                                      </p:cBhvr>
+                                      <p:to>
+                                        <p:strVal val="visible"/>
+                                      </p:to>
+                                    </p:set>
+                                    <p:anim calcmode="lin" valueType="num">
+                                      <p:cBhvr additive="base">
+                                        <p:cTn id="31" dur="500" fill="hold"/>
+                                        <p:tgtEl>
+                                          <p:spTgt spid="14">
+                                            <p:txEl>
+                                              <p:pRg st="4" end="4"/>
+                                            </p:txEl>
+                                          </p:spTgt>
+                                        </p:tgtEl>
+                                        <p:attrNameLst>
+                                          <p:attrName>ppt_x</p:attrName>
+                                        </p:attrNameLst>
+                                      </p:cBhvr>
+                                      <p:tavLst>
+                                        <p:tav tm="0">
+                                          <p:val>
+                                            <p:strVal val="#ppt_x"/>
+                                          </p:val>
+                                        </p:tav>
+                                        <p:tav tm="100000">
+                                          <p:val>
+                                            <p:strVal val="#ppt_x"/>
+                                          </p:val>
+                                        </p:tav>
+                                      </p:tavLst>
+                                    </p:anim>
+                                    <p:anim calcmode="lin" valueType="num">
+                                      <p:cBhvr additive="base">
+                                        <p:cTn id="32" dur="500" fill="hold"/>
+                                        <p:tgtEl>
+                                          <p:spTgt spid="14">
+                                            <p:txEl>
+                                              <p:pRg st="4" end="4"/>
+                                            </p:txEl>
+                                          </p:spTgt>
+                                        </p:tgtEl>
+                                        <p:attrNameLst>
+                                          <p:attrName>ppt_y</p:attrName>
+                                        </p:attrNameLst>
+                                      </p:cBhvr>
+                                      <p:tavLst>
+                                        <p:tav tm="0">
+                                          <p:val>
+                                            <p:strVal val="1+#ppt_h/2"/>
+                                          </p:val>
+                                        </p:tav>
+                                        <p:tav tm="100000">
+                                          <p:val>
+                                            <p:strVal val="#ppt_y"/>
+                                          </p:val>
+                                        </p:tav>
+                                      </p:tavLst>
+                                    </p:anim>
+                                  </p:childTnLst>
+                                </p:cTn>
+                              </p:par>
+                            </p:childTnLst>
+                          </p:cTn>
+                        </p:par>
+                      </p:childTnLst>
+                    </p:cTn>
+                  </p:par>
+                  <p:par>
+                    <p:cTn id="33" fill="hold">
+                      <p:stCondLst>
+                        <p:cond delay="indefinite"/>
+                      </p:stCondLst>
+                      <p:childTnLst>
+                        <p:par>
+                          <p:cTn id="34" fill="hold">
+                            <p:stCondLst>
+                              <p:cond delay="0"/>
+                            </p:stCondLst>
+                            <p:childTnLst>
+                              <p:par>
+                                <p:cTn id="35" presetID="2" presetClass="entr" presetSubtype="4" fill="hold" nodeType="clickEffect">
+                                  <p:stCondLst>
+                                    <p:cond delay="0"/>
+                                  </p:stCondLst>
+                                  <p:childTnLst>
+                                    <p:set>
+                                      <p:cBhvr>
+                                        <p:cTn id="36" dur="1" fill="hold">
+                                          <p:stCondLst>
+                                            <p:cond delay="0"/>
+                                          </p:stCondLst>
+                                        </p:cTn>
+                                        <p:tgtEl>
+                                          <p:spTgt spid="14">
+                                            <p:txEl>
+                                              <p:pRg st="5" end="5"/>
+                                            </p:txEl>
+                                          </p:spTgt>
+                                        </p:tgtEl>
+                                        <p:attrNameLst>
+                                          <p:attrName>style.visibility</p:attrName>
+                                        </p:attrNameLst>
+                                      </p:cBhvr>
+                                      <p:to>
+                                        <p:strVal val="visible"/>
+                                      </p:to>
+                                    </p:set>
+                                    <p:anim calcmode="lin" valueType="num">
+                                      <p:cBhvr additive="base">
+                                        <p:cTn id="37" dur="500" fill="hold"/>
+                                        <p:tgtEl>
+                                          <p:spTgt spid="14">
+                                            <p:txEl>
+                                              <p:pRg st="5" end="5"/>
+                                            </p:txEl>
+                                          </p:spTgt>
+                                        </p:tgtEl>
+                                        <p:attrNameLst>
+                                          <p:attrName>ppt_x</p:attrName>
+                                        </p:attrNameLst>
+                                      </p:cBhvr>
+                                      <p:tavLst>
+                                        <p:tav tm="0">
+                                          <p:val>
+                                            <p:strVal val="#ppt_x"/>
+                                          </p:val>
+                                        </p:tav>
+                                        <p:tav tm="100000">
+                                          <p:val>
+                                            <p:strVal val="#ppt_x"/>
+                                          </p:val>
+                                        </p:tav>
+                                      </p:tavLst>
+                                    </p:anim>
+                                    <p:anim calcmode="lin" valueType="num">
+                                      <p:cBhvr additive="base">
+                                        <p:cTn id="38" dur="500" fill="hold"/>
+                                        <p:tgtEl>
+                                          <p:spTgt spid="14">
+                                            <p:txEl>
+                                              <p:pRg st="5" end="5"/>
+                                            </p:txEl>
+                                          </p:spTgt>
+                                        </p:tgtEl>
+                                        <p:attrNameLst>
+                                          <p:attrName>ppt_y</p:attrName>
+                                        </p:attrNameLst>
+                                      </p:cBhvr>
+                                      <p:tavLst>
+                                        <p:tav tm="0">
+                                          <p:val>
+                                            <p:strVal val="1+#ppt_h/2"/>
+                                          </p:val>
+                                        </p:tav>
+                                        <p:tav tm="100000">
+                                          <p:val>
+                                            <p:strVal val="#ppt_y"/>
+                                          </p:val>
+                                        </p:tav>
+                                      </p:tavLst>
+                                    </p:anim>
+                                  </p:childTnLst>
+                                </p:cTn>
+                              </p:par>
+                            </p:childTnLst>
+                          </p:cTn>
+                        </p:par>
+                      </p:childTnLst>
+                    </p:cTn>
+                  </p:par>
+                  <p:par>
+                    <p:cTn id="39" fill="hold">
+                      <p:stCondLst>
+                        <p:cond delay="indefinite"/>
+                      </p:stCondLst>
+                      <p:childTnLst>
+                        <p:par>
+                          <p:cTn id="40" fill="hold">
+                            <p:stCondLst>
+                              <p:cond delay="0"/>
+                            </p:stCondLst>
+                            <p:childTnLst>
+                              <p:par>
+                                <p:cTn id="41" presetID="2" presetClass="entr" presetSubtype="4" fill="hold" nodeType="clickEffect">
+                                  <p:stCondLst>
+                                    <p:cond delay="0"/>
+                                  </p:stCondLst>
+                                  <p:childTnLst>
+                                    <p:set>
+                                      <p:cBhvr>
+                                        <p:cTn id="42" dur="1" fill="hold">
+                                          <p:stCondLst>
+                                            <p:cond delay="0"/>
+                                          </p:stCondLst>
+                                        </p:cTn>
+                                        <p:tgtEl>
+                                          <p:spTgt spid="14">
+                                            <p:txEl>
+                                              <p:pRg st="6" end="6"/>
+                                            </p:txEl>
+                                          </p:spTgt>
+                                        </p:tgtEl>
+                                        <p:attrNameLst>
+                                          <p:attrName>style.visibility</p:attrName>
+                                        </p:attrNameLst>
+                                      </p:cBhvr>
+                                      <p:to>
+                                        <p:strVal val="visible"/>
+                                      </p:to>
+                                    </p:set>
+                                    <p:anim calcmode="lin" valueType="num">
+                                      <p:cBhvr additive="base">
+                                        <p:cTn id="43" dur="500" fill="hold"/>
+                                        <p:tgtEl>
+                                          <p:spTgt spid="14">
+                                            <p:txEl>
+                                              <p:pRg st="6" end="6"/>
+                                            </p:txEl>
+                                          </p:spTgt>
+                                        </p:tgtEl>
+                                        <p:attrNameLst>
+                                          <p:attrName>ppt_x</p:attrName>
+                                        </p:attrNameLst>
+                                      </p:cBhvr>
+                                      <p:tavLst>
+                                        <p:tav tm="0">
+                                          <p:val>
+                                            <p:strVal val="#ppt_x"/>
+                                          </p:val>
+                                        </p:tav>
+                                        <p:tav tm="100000">
+                                          <p:val>
+                                            <p:strVal val="#ppt_x"/>
+                                          </p:val>
+                                        </p:tav>
+                                      </p:tavLst>
+                                    </p:anim>
+                                    <p:anim calcmode="lin" valueType="num">
+                                      <p:cBhvr additive="base">
+                                        <p:cTn id="44" dur="500" fill="hold"/>
+                                        <p:tgtEl>
+                                          <p:spTgt spid="14">
+                                            <p:txEl>
+                                              <p:pRg st="6" end="6"/>
+                                            </p:txEl>
+                                          </p:spTgt>
+                                        </p:tgtEl>
+                                        <p:attrNameLst>
+                                          <p:attrName>ppt_y</p:attrName>
+                                        </p:attrNameLst>
+                                      </p:cBhvr>
+                                      <p:tavLst>
+                                        <p:tav tm="0">
+                                          <p:val>
+                                            <p:strVal val="1+#ppt_h/2"/>
+                                          </p:val>
+                                        </p:tav>
+                                        <p:tav tm="100000">
+                                          <p:val>
+                                            <p:strVal val="#ppt_y"/>
+                                          </p:val>
+                                        </p:tav>
+                                      </p:tavLst>
+                                    </p:anim>
+                                  </p:childTnLst>
+                                </p:cTn>
+                              </p:par>
+                            </p:childTnLst>
+                          </p:cTn>
+                        </p:par>
+                      </p:childTnLst>
+                    </p:cTn>
+                  </p:par>
+                  <p:par>
+                    <p:cTn id="45" fill="hold">
+                      <p:stCondLst>
+                        <p:cond delay="indefinite"/>
+                      </p:stCondLst>
+                      <p:childTnLst>
+                        <p:par>
+                          <p:cTn id="46" fill="hold">
+                            <p:stCondLst>
+                              <p:cond delay="0"/>
+                            </p:stCondLst>
+                            <p:childTnLst>
+                              <p:par>
+                                <p:cTn id="47" presetID="2" presetClass="entr" presetSubtype="4" fill="hold" nodeType="clickEffect">
+                                  <p:stCondLst>
+                                    <p:cond delay="0"/>
+                                  </p:stCondLst>
+                                  <p:childTnLst>
+                                    <p:set>
+                                      <p:cBhvr>
+                                        <p:cTn id="48" dur="1" fill="hold">
+                                          <p:stCondLst>
+                                            <p:cond delay="0"/>
+                                          </p:stCondLst>
+                                        </p:cTn>
+                                        <p:tgtEl>
+                                          <p:spTgt spid="14">
+                                            <p:txEl>
+                                              <p:pRg st="7" end="7"/>
+                                            </p:txEl>
+                                          </p:spTgt>
+                                        </p:tgtEl>
+                                        <p:attrNameLst>
+                                          <p:attrName>style.visibility</p:attrName>
+                                        </p:attrNameLst>
+                                      </p:cBhvr>
+                                      <p:to>
+                                        <p:strVal val="visible"/>
+                                      </p:to>
+                                    </p:set>
+                                    <p:anim calcmode="lin" valueType="num">
+                                      <p:cBhvr additive="base">
+                                        <p:cTn id="49" dur="500" fill="hold"/>
+                                        <p:tgtEl>
+                                          <p:spTgt spid="14">
+                                            <p:txEl>
+                                              <p:pRg st="7" end="7"/>
+                                            </p:txEl>
+                                          </p:spTgt>
+                                        </p:tgtEl>
+                                        <p:attrNameLst>
+                                          <p:attrName>ppt_x</p:attrName>
+                                        </p:attrNameLst>
+                                      </p:cBhvr>
+                                      <p:tavLst>
+                                        <p:tav tm="0">
+                                          <p:val>
+                                            <p:strVal val="#ppt_x"/>
+                                          </p:val>
+                                        </p:tav>
+                                        <p:tav tm="100000">
+                                          <p:val>
+                                            <p:strVal val="#ppt_x"/>
+                                          </p:val>
+                                        </p:tav>
+                                      </p:tavLst>
+                                    </p:anim>
+                                    <p:anim calcmode="lin" valueType="num">
+                                      <p:cBhvr additive="base">
+                                        <p:cTn id="50" dur="500" fill="hold"/>
+                                        <p:tgtEl>
+                                          <p:spTgt spid="14">
+                                            <p:txEl>
+                                              <p:pRg st="7" end="7"/>
+                                            </p:txEl>
+                                          </p:spTgt>
+                                        </p:tgtEl>
+                                        <p:attrNameLst>
+                                          <p:attrName>ppt_y</p:attrName>
+                                        </p:attrNameLst>
+                                      </p:cBhvr>
+                                      <p:tavLst>
+                                        <p:tav tm="0">
+                                          <p:val>
+                                            <p:strVal val="1+#ppt_h/2"/>
+                                          </p:val>
+                                        </p:tav>
+                                        <p:tav tm="100000">
+                                          <p:val>
+                                            <p:strVal val="#ppt_y"/>
+                                          </p:val>
+                                        </p:tav>
+                                      </p:tavLst>
+                                    </p:anim>
+                                  </p:childTnLst>
+                                </p:cTn>
+                              </p:par>
+                            </p:childTnLst>
+                          </p:cTn>
+                        </p:par>
+                      </p:childTnLst>
+                    </p:cTn>
+                  </p:par>
+                </p:childTnLst>
+              </p:cTn>
+              <p:prevCondLst>
+                <p:cond evt="onPrev" delay="0">
+                  <p:tgtEl>
+                    <p:sldTgt/>
+                  </p:tgtEl>
+                </p:cond>
+              </p:prevCondLst>
+              <p:nextCondLst>
+                <p:cond evt="onNext" delay="0">
+                  <p:tgtEl>
+                    <p:sldTgt/>
+                  </p:tgtEl>
+                </p:cond>
+              </p:nextCondLst>
+            </p:seq>
+          </p:childTnLst>
+        </p:cTn>
       </p:par>
     </p:tnLst>
   </p:timing>
@@ -7311,6 +8105,1207 @@
         <p:spPr/>
         <p:txBody>
           <a:bodyPr>
+            <a:noAutofit/>
+          </a:bodyPr>
+          <a:lstStyle/>
+          <a:p>
+            <a:r>
+              <a:rPr lang="en-US" sz="4000" dirty="0" err="1" smtClean="0">
+                <a:solidFill>
+                  <a:srgbClr val="00B0F0"/>
+                </a:solidFill>
+              </a:rPr>
+              <a:t>this</a:t>
+            </a:r>
+            <a:r>
+              <a:rPr lang="en-US" sz="4000" dirty="0" err="1" smtClean="0"/>
+              <a:t>.GetWhereMpiVisorIsGoing</a:t>
+            </a:r>
+            <a:r>
+              <a:rPr lang="en-US" sz="4000" dirty="0" smtClean="0"/>
+              <a:t>()</a:t>
+            </a:r>
+            <a:endParaRPr sz="4000" dirty="0"/>
+          </a:p>
+        </p:txBody>
+      </p:sp>
+      <p:sp>
+        <p:nvSpPr>
+          <p:cNvPr id="14" name="Content Placeholder 13"/>
+          <p:cNvSpPr>
+            <a:spLocks noGrp="1"/>
+          </p:cNvSpPr>
+          <p:nvPr>
+            <p:ph idx="1"/>
+          </p:nvPr>
+        </p:nvSpPr>
+        <p:spPr>
+          <a:xfrm>
+            <a:off x="1524000" y="1828800"/>
+            <a:ext cx="9144000" cy="4495800"/>
+          </a:xfrm>
+        </p:spPr>
+        <p:txBody>
+          <a:bodyPr>
+            <a:normAutofit/>
+          </a:bodyPr>
+          <a:lstStyle/>
+          <a:p>
+            <a:r>
+              <a:rPr lang="en-US" sz="3600" dirty="0" smtClean="0"/>
+              <a:t>More coding and testing</a:t>
+            </a:r>
+          </a:p>
+          <a:p>
+            <a:pPr lvl="1"/>
+            <a:r>
+              <a:rPr lang="en-US" sz="3200" dirty="0" smtClean="0"/>
+              <a:t>Management tooling – more control</a:t>
+            </a:r>
+          </a:p>
+          <a:p>
+            <a:pPr lvl="1"/>
+            <a:r>
+              <a:rPr lang="en-US" sz="3200" dirty="0" smtClean="0"/>
+              <a:t>Spawning more agents</a:t>
+            </a:r>
+          </a:p>
+          <a:p>
+            <a:pPr lvl="1"/>
+            <a:r>
+              <a:rPr lang="en-US" sz="3200" dirty="0" smtClean="0"/>
+              <a:t>Improve node failure disaster recovery</a:t>
+            </a:r>
+            <a:endParaRPr lang="en-US" sz="3200" dirty="0" smtClean="0"/>
+          </a:p>
+          <a:p>
+            <a:r>
+              <a:rPr lang="en-US" sz="3600" dirty="0" smtClean="0"/>
+              <a:t>Refactor - make more SOLID</a:t>
+            </a:r>
+          </a:p>
+          <a:p>
+            <a:r>
+              <a:rPr lang="en-US" sz="3600" dirty="0" smtClean="0"/>
+              <a:t>HTTP support for happier firewalls</a:t>
+            </a:r>
+          </a:p>
+          <a:p>
+            <a:r>
+              <a:rPr lang="en-US" sz="3600" dirty="0" smtClean="0"/>
+              <a:t>Scheduling and security</a:t>
+            </a:r>
+            <a:endParaRPr lang="en-US" sz="3600" dirty="0" smtClean="0"/>
+          </a:p>
+        </p:txBody>
+      </p:sp>
+    </p:spTree>
+    <p:extLst>
+      <p:ext uri="{BB962C8B-B14F-4D97-AF65-F5344CB8AC3E}">
+        <p14:creationId xmlns:p14="http://schemas.microsoft.com/office/powerpoint/2010/main" val="943848345"/>
+      </p:ext>
+    </p:extLst>
+  </p:cSld>
+  <p:clrMapOvr>
+    <a:masterClrMapping/>
+  </p:clrMapOvr>
+  <mc:AlternateContent xmlns:mc="http://schemas.openxmlformats.org/markup-compatibility/2006">
+    <mc:Choice xmlns:p14="http://schemas.microsoft.com/office/powerpoint/2010/main" Requires="p14">
+      <p:transition spd="slow" p14:dur="2000"/>
+    </mc:Choice>
+    <mc:Fallback>
+      <p:transition spd="slow"/>
+    </mc:Fallback>
+  </mc:AlternateContent>
+  <p:timing>
+    <p:tnLst>
+      <p:par>
+        <p:cTn id="1" dur="indefinite" restart="never" nodeType="tmRoot">
+          <p:childTnLst>
+            <p:seq concurrent="1" nextAc="seek">
+              <p:cTn id="2" dur="indefinite" nodeType="mainSeq">
+                <p:childTnLst>
+                  <p:par>
+                    <p:cTn id="3" fill="hold">
+                      <p:stCondLst>
+                        <p:cond delay="indefinite"/>
+                      </p:stCondLst>
+                      <p:childTnLst>
+                        <p:par>
+                          <p:cTn id="4" fill="hold">
+                            <p:stCondLst>
+                              <p:cond delay="0"/>
+                            </p:stCondLst>
+                            <p:childTnLst>
+                              <p:par>
+                                <p:cTn id="5" presetID="2" presetClass="entr" presetSubtype="4" fill="hold" nodeType="clickEffect">
+                                  <p:stCondLst>
+                                    <p:cond delay="0"/>
+                                  </p:stCondLst>
+                                  <p:childTnLst>
+                                    <p:set>
+                                      <p:cBhvr>
+                                        <p:cTn id="6" dur="1" fill="hold">
+                                          <p:stCondLst>
+                                            <p:cond delay="0"/>
+                                          </p:stCondLst>
+                                        </p:cTn>
+                                        <p:tgtEl>
+                                          <p:spTgt spid="14">
+                                            <p:txEl>
+                                              <p:pRg st="0" end="0"/>
+                                            </p:txEl>
+                                          </p:spTgt>
+                                        </p:tgtEl>
+                                        <p:attrNameLst>
+                                          <p:attrName>style.visibility</p:attrName>
+                                        </p:attrNameLst>
+                                      </p:cBhvr>
+                                      <p:to>
+                                        <p:strVal val="visible"/>
+                                      </p:to>
+                                    </p:set>
+                                    <p:anim calcmode="lin" valueType="num">
+                                      <p:cBhvr additive="base">
+                                        <p:cTn id="7" dur="500" fill="hold"/>
+                                        <p:tgtEl>
+                                          <p:spTgt spid="14">
+                                            <p:txEl>
+                                              <p:pRg st="0" end="0"/>
+                                            </p:txEl>
+                                          </p:spTgt>
+                                        </p:tgtEl>
+                                        <p:attrNameLst>
+                                          <p:attrName>ppt_x</p:attrName>
+                                        </p:attrNameLst>
+                                      </p:cBhvr>
+                                      <p:tavLst>
+                                        <p:tav tm="0">
+                                          <p:val>
+                                            <p:strVal val="#ppt_x"/>
+                                          </p:val>
+                                        </p:tav>
+                                        <p:tav tm="100000">
+                                          <p:val>
+                                            <p:strVal val="#ppt_x"/>
+                                          </p:val>
+                                        </p:tav>
+                                      </p:tavLst>
+                                    </p:anim>
+                                    <p:anim calcmode="lin" valueType="num">
+                                      <p:cBhvr additive="base">
+                                        <p:cTn id="8" dur="500" fill="hold"/>
+                                        <p:tgtEl>
+                                          <p:spTgt spid="14">
+                                            <p:txEl>
+                                              <p:pRg st="0" end="0"/>
+                                            </p:txEl>
+                                          </p:spTgt>
+                                        </p:tgtEl>
+                                        <p:attrNameLst>
+                                          <p:attrName>ppt_y</p:attrName>
+                                        </p:attrNameLst>
+                                      </p:cBhvr>
+                                      <p:tavLst>
+                                        <p:tav tm="0">
+                                          <p:val>
+                                            <p:strVal val="1+#ppt_h/2"/>
+                                          </p:val>
+                                        </p:tav>
+                                        <p:tav tm="100000">
+                                          <p:val>
+                                            <p:strVal val="#ppt_y"/>
+                                          </p:val>
+                                        </p:tav>
+                                      </p:tavLst>
+                                    </p:anim>
+                                  </p:childTnLst>
+                                </p:cTn>
+                              </p:par>
+                            </p:childTnLst>
+                          </p:cTn>
+                        </p:par>
+                      </p:childTnLst>
+                    </p:cTn>
+                  </p:par>
+                  <p:par>
+                    <p:cTn id="9" fill="hold">
+                      <p:stCondLst>
+                        <p:cond delay="indefinite"/>
+                      </p:stCondLst>
+                      <p:childTnLst>
+                        <p:par>
+                          <p:cTn id="10" fill="hold">
+                            <p:stCondLst>
+                              <p:cond delay="0"/>
+                            </p:stCondLst>
+                            <p:childTnLst>
+                              <p:par>
+                                <p:cTn id="11" presetID="2" presetClass="entr" presetSubtype="4" fill="hold" nodeType="clickEffect">
+                                  <p:stCondLst>
+                                    <p:cond delay="0"/>
+                                  </p:stCondLst>
+                                  <p:childTnLst>
+                                    <p:set>
+                                      <p:cBhvr>
+                                        <p:cTn id="12" dur="1" fill="hold">
+                                          <p:stCondLst>
+                                            <p:cond delay="0"/>
+                                          </p:stCondLst>
+                                        </p:cTn>
+                                        <p:tgtEl>
+                                          <p:spTgt spid="14">
+                                            <p:txEl>
+                                              <p:pRg st="1" end="1"/>
+                                            </p:txEl>
+                                          </p:spTgt>
+                                        </p:tgtEl>
+                                        <p:attrNameLst>
+                                          <p:attrName>style.visibility</p:attrName>
+                                        </p:attrNameLst>
+                                      </p:cBhvr>
+                                      <p:to>
+                                        <p:strVal val="visible"/>
+                                      </p:to>
+                                    </p:set>
+                                    <p:anim calcmode="lin" valueType="num">
+                                      <p:cBhvr additive="base">
+                                        <p:cTn id="13" dur="500" fill="hold"/>
+                                        <p:tgtEl>
+                                          <p:spTgt spid="14">
+                                            <p:txEl>
+                                              <p:pRg st="1" end="1"/>
+                                            </p:txEl>
+                                          </p:spTgt>
+                                        </p:tgtEl>
+                                        <p:attrNameLst>
+                                          <p:attrName>ppt_x</p:attrName>
+                                        </p:attrNameLst>
+                                      </p:cBhvr>
+                                      <p:tavLst>
+                                        <p:tav tm="0">
+                                          <p:val>
+                                            <p:strVal val="#ppt_x"/>
+                                          </p:val>
+                                        </p:tav>
+                                        <p:tav tm="100000">
+                                          <p:val>
+                                            <p:strVal val="#ppt_x"/>
+                                          </p:val>
+                                        </p:tav>
+                                      </p:tavLst>
+                                    </p:anim>
+                                    <p:anim calcmode="lin" valueType="num">
+                                      <p:cBhvr additive="base">
+                                        <p:cTn id="14" dur="500" fill="hold"/>
+                                        <p:tgtEl>
+                                          <p:spTgt spid="14">
+                                            <p:txEl>
+                                              <p:pRg st="1" end="1"/>
+                                            </p:txEl>
+                                          </p:spTgt>
+                                        </p:tgtEl>
+                                        <p:attrNameLst>
+                                          <p:attrName>ppt_y</p:attrName>
+                                        </p:attrNameLst>
+                                      </p:cBhvr>
+                                      <p:tavLst>
+                                        <p:tav tm="0">
+                                          <p:val>
+                                            <p:strVal val="1+#ppt_h/2"/>
+                                          </p:val>
+                                        </p:tav>
+                                        <p:tav tm="100000">
+                                          <p:val>
+                                            <p:strVal val="#ppt_y"/>
+                                          </p:val>
+                                        </p:tav>
+                                      </p:tavLst>
+                                    </p:anim>
+                                  </p:childTnLst>
+                                </p:cTn>
+                              </p:par>
+                            </p:childTnLst>
+                          </p:cTn>
+                        </p:par>
+                      </p:childTnLst>
+                    </p:cTn>
+                  </p:par>
+                  <p:par>
+                    <p:cTn id="15" fill="hold">
+                      <p:stCondLst>
+                        <p:cond delay="indefinite"/>
+                      </p:stCondLst>
+                      <p:childTnLst>
+                        <p:par>
+                          <p:cTn id="16" fill="hold">
+                            <p:stCondLst>
+                              <p:cond delay="0"/>
+                            </p:stCondLst>
+                            <p:childTnLst>
+                              <p:par>
+                                <p:cTn id="17" presetID="2" presetClass="entr" presetSubtype="4" fill="hold" nodeType="clickEffect">
+                                  <p:stCondLst>
+                                    <p:cond delay="0"/>
+                                  </p:stCondLst>
+                                  <p:childTnLst>
+                                    <p:set>
+                                      <p:cBhvr>
+                                        <p:cTn id="18" dur="1" fill="hold">
+                                          <p:stCondLst>
+                                            <p:cond delay="0"/>
+                                          </p:stCondLst>
+                                        </p:cTn>
+                                        <p:tgtEl>
+                                          <p:spTgt spid="14">
+                                            <p:txEl>
+                                              <p:pRg st="2" end="2"/>
+                                            </p:txEl>
+                                          </p:spTgt>
+                                        </p:tgtEl>
+                                        <p:attrNameLst>
+                                          <p:attrName>style.visibility</p:attrName>
+                                        </p:attrNameLst>
+                                      </p:cBhvr>
+                                      <p:to>
+                                        <p:strVal val="visible"/>
+                                      </p:to>
+                                    </p:set>
+                                    <p:anim calcmode="lin" valueType="num">
+                                      <p:cBhvr additive="base">
+                                        <p:cTn id="19" dur="500" fill="hold"/>
+                                        <p:tgtEl>
+                                          <p:spTgt spid="14">
+                                            <p:txEl>
+                                              <p:pRg st="2" end="2"/>
+                                            </p:txEl>
+                                          </p:spTgt>
+                                        </p:tgtEl>
+                                        <p:attrNameLst>
+                                          <p:attrName>ppt_x</p:attrName>
+                                        </p:attrNameLst>
+                                      </p:cBhvr>
+                                      <p:tavLst>
+                                        <p:tav tm="0">
+                                          <p:val>
+                                            <p:strVal val="#ppt_x"/>
+                                          </p:val>
+                                        </p:tav>
+                                        <p:tav tm="100000">
+                                          <p:val>
+                                            <p:strVal val="#ppt_x"/>
+                                          </p:val>
+                                        </p:tav>
+                                      </p:tavLst>
+                                    </p:anim>
+                                    <p:anim calcmode="lin" valueType="num">
+                                      <p:cBhvr additive="base">
+                                        <p:cTn id="20" dur="500" fill="hold"/>
+                                        <p:tgtEl>
+                                          <p:spTgt spid="14">
+                                            <p:txEl>
+                                              <p:pRg st="2" end="2"/>
+                                            </p:txEl>
+                                          </p:spTgt>
+                                        </p:tgtEl>
+                                        <p:attrNameLst>
+                                          <p:attrName>ppt_y</p:attrName>
+                                        </p:attrNameLst>
+                                      </p:cBhvr>
+                                      <p:tavLst>
+                                        <p:tav tm="0">
+                                          <p:val>
+                                            <p:strVal val="1+#ppt_h/2"/>
+                                          </p:val>
+                                        </p:tav>
+                                        <p:tav tm="100000">
+                                          <p:val>
+                                            <p:strVal val="#ppt_y"/>
+                                          </p:val>
+                                        </p:tav>
+                                      </p:tavLst>
+                                    </p:anim>
+                                  </p:childTnLst>
+                                </p:cTn>
+                              </p:par>
+                            </p:childTnLst>
+                          </p:cTn>
+                        </p:par>
+                      </p:childTnLst>
+                    </p:cTn>
+                  </p:par>
+                  <p:par>
+                    <p:cTn id="21" fill="hold">
+                      <p:stCondLst>
+                        <p:cond delay="indefinite"/>
+                      </p:stCondLst>
+                      <p:childTnLst>
+                        <p:par>
+                          <p:cTn id="22" fill="hold">
+                            <p:stCondLst>
+                              <p:cond delay="0"/>
+                            </p:stCondLst>
+                            <p:childTnLst>
+                              <p:par>
+                                <p:cTn id="23" presetID="2" presetClass="entr" presetSubtype="4" fill="hold" nodeType="clickEffect">
+                                  <p:stCondLst>
+                                    <p:cond delay="0"/>
+                                  </p:stCondLst>
+                                  <p:childTnLst>
+                                    <p:set>
+                                      <p:cBhvr>
+                                        <p:cTn id="24" dur="1" fill="hold">
+                                          <p:stCondLst>
+                                            <p:cond delay="0"/>
+                                          </p:stCondLst>
+                                        </p:cTn>
+                                        <p:tgtEl>
+                                          <p:spTgt spid="14">
+                                            <p:txEl>
+                                              <p:pRg st="3" end="3"/>
+                                            </p:txEl>
+                                          </p:spTgt>
+                                        </p:tgtEl>
+                                        <p:attrNameLst>
+                                          <p:attrName>style.visibility</p:attrName>
+                                        </p:attrNameLst>
+                                      </p:cBhvr>
+                                      <p:to>
+                                        <p:strVal val="visible"/>
+                                      </p:to>
+                                    </p:set>
+                                    <p:anim calcmode="lin" valueType="num">
+                                      <p:cBhvr additive="base">
+                                        <p:cTn id="25" dur="500" fill="hold"/>
+                                        <p:tgtEl>
+                                          <p:spTgt spid="14">
+                                            <p:txEl>
+                                              <p:pRg st="3" end="3"/>
+                                            </p:txEl>
+                                          </p:spTgt>
+                                        </p:tgtEl>
+                                        <p:attrNameLst>
+                                          <p:attrName>ppt_x</p:attrName>
+                                        </p:attrNameLst>
+                                      </p:cBhvr>
+                                      <p:tavLst>
+                                        <p:tav tm="0">
+                                          <p:val>
+                                            <p:strVal val="#ppt_x"/>
+                                          </p:val>
+                                        </p:tav>
+                                        <p:tav tm="100000">
+                                          <p:val>
+                                            <p:strVal val="#ppt_x"/>
+                                          </p:val>
+                                        </p:tav>
+                                      </p:tavLst>
+                                    </p:anim>
+                                    <p:anim calcmode="lin" valueType="num">
+                                      <p:cBhvr additive="base">
+                                        <p:cTn id="26" dur="500" fill="hold"/>
+                                        <p:tgtEl>
+                                          <p:spTgt spid="14">
+                                            <p:txEl>
+                                              <p:pRg st="3" end="3"/>
+                                            </p:txEl>
+                                          </p:spTgt>
+                                        </p:tgtEl>
+                                        <p:attrNameLst>
+                                          <p:attrName>ppt_y</p:attrName>
+                                        </p:attrNameLst>
+                                      </p:cBhvr>
+                                      <p:tavLst>
+                                        <p:tav tm="0">
+                                          <p:val>
+                                            <p:strVal val="1+#ppt_h/2"/>
+                                          </p:val>
+                                        </p:tav>
+                                        <p:tav tm="100000">
+                                          <p:val>
+                                            <p:strVal val="#ppt_y"/>
+                                          </p:val>
+                                        </p:tav>
+                                      </p:tavLst>
+                                    </p:anim>
+                                  </p:childTnLst>
+                                </p:cTn>
+                              </p:par>
+                            </p:childTnLst>
+                          </p:cTn>
+                        </p:par>
+                      </p:childTnLst>
+                    </p:cTn>
+                  </p:par>
+                  <p:par>
+                    <p:cTn id="27" fill="hold">
+                      <p:stCondLst>
+                        <p:cond delay="indefinite"/>
+                      </p:stCondLst>
+                      <p:childTnLst>
+                        <p:par>
+                          <p:cTn id="28" fill="hold">
+                            <p:stCondLst>
+                              <p:cond delay="0"/>
+                            </p:stCondLst>
+                            <p:childTnLst>
+                              <p:par>
+                                <p:cTn id="29" presetID="2" presetClass="entr" presetSubtype="4" fill="hold" nodeType="clickEffect">
+                                  <p:stCondLst>
+                                    <p:cond delay="0"/>
+                                  </p:stCondLst>
+                                  <p:childTnLst>
+                                    <p:set>
+                                      <p:cBhvr>
+                                        <p:cTn id="30" dur="1" fill="hold">
+                                          <p:stCondLst>
+                                            <p:cond delay="0"/>
+                                          </p:stCondLst>
+                                        </p:cTn>
+                                        <p:tgtEl>
+                                          <p:spTgt spid="14">
+                                            <p:txEl>
+                                              <p:pRg st="4" end="4"/>
+                                            </p:txEl>
+                                          </p:spTgt>
+                                        </p:tgtEl>
+                                        <p:attrNameLst>
+                                          <p:attrName>style.visibility</p:attrName>
+                                        </p:attrNameLst>
+                                      </p:cBhvr>
+                                      <p:to>
+                                        <p:strVal val="visible"/>
+                                      </p:to>
+                                    </p:set>
+                                    <p:anim calcmode="lin" valueType="num">
+                                      <p:cBhvr additive="base">
+                                        <p:cTn id="31" dur="500" fill="hold"/>
+                                        <p:tgtEl>
+                                          <p:spTgt spid="14">
+                                            <p:txEl>
+                                              <p:pRg st="4" end="4"/>
+                                            </p:txEl>
+                                          </p:spTgt>
+                                        </p:tgtEl>
+                                        <p:attrNameLst>
+                                          <p:attrName>ppt_x</p:attrName>
+                                        </p:attrNameLst>
+                                      </p:cBhvr>
+                                      <p:tavLst>
+                                        <p:tav tm="0">
+                                          <p:val>
+                                            <p:strVal val="#ppt_x"/>
+                                          </p:val>
+                                        </p:tav>
+                                        <p:tav tm="100000">
+                                          <p:val>
+                                            <p:strVal val="#ppt_x"/>
+                                          </p:val>
+                                        </p:tav>
+                                      </p:tavLst>
+                                    </p:anim>
+                                    <p:anim calcmode="lin" valueType="num">
+                                      <p:cBhvr additive="base">
+                                        <p:cTn id="32" dur="500" fill="hold"/>
+                                        <p:tgtEl>
+                                          <p:spTgt spid="14">
+                                            <p:txEl>
+                                              <p:pRg st="4" end="4"/>
+                                            </p:txEl>
+                                          </p:spTgt>
+                                        </p:tgtEl>
+                                        <p:attrNameLst>
+                                          <p:attrName>ppt_y</p:attrName>
+                                        </p:attrNameLst>
+                                      </p:cBhvr>
+                                      <p:tavLst>
+                                        <p:tav tm="0">
+                                          <p:val>
+                                            <p:strVal val="1+#ppt_h/2"/>
+                                          </p:val>
+                                        </p:tav>
+                                        <p:tav tm="100000">
+                                          <p:val>
+                                            <p:strVal val="#ppt_y"/>
+                                          </p:val>
+                                        </p:tav>
+                                      </p:tavLst>
+                                    </p:anim>
+                                  </p:childTnLst>
+                                </p:cTn>
+                              </p:par>
+                            </p:childTnLst>
+                          </p:cTn>
+                        </p:par>
+                      </p:childTnLst>
+                    </p:cTn>
+                  </p:par>
+                  <p:par>
+                    <p:cTn id="33" fill="hold">
+                      <p:stCondLst>
+                        <p:cond delay="indefinite"/>
+                      </p:stCondLst>
+                      <p:childTnLst>
+                        <p:par>
+                          <p:cTn id="34" fill="hold">
+                            <p:stCondLst>
+                              <p:cond delay="0"/>
+                            </p:stCondLst>
+                            <p:childTnLst>
+                              <p:par>
+                                <p:cTn id="35" presetID="2" presetClass="entr" presetSubtype="4" fill="hold" nodeType="clickEffect">
+                                  <p:stCondLst>
+                                    <p:cond delay="0"/>
+                                  </p:stCondLst>
+                                  <p:childTnLst>
+                                    <p:set>
+                                      <p:cBhvr>
+                                        <p:cTn id="36" dur="1" fill="hold">
+                                          <p:stCondLst>
+                                            <p:cond delay="0"/>
+                                          </p:stCondLst>
+                                        </p:cTn>
+                                        <p:tgtEl>
+                                          <p:spTgt spid="14">
+                                            <p:txEl>
+                                              <p:pRg st="5" end="5"/>
+                                            </p:txEl>
+                                          </p:spTgt>
+                                        </p:tgtEl>
+                                        <p:attrNameLst>
+                                          <p:attrName>style.visibility</p:attrName>
+                                        </p:attrNameLst>
+                                      </p:cBhvr>
+                                      <p:to>
+                                        <p:strVal val="visible"/>
+                                      </p:to>
+                                    </p:set>
+                                    <p:anim calcmode="lin" valueType="num">
+                                      <p:cBhvr additive="base">
+                                        <p:cTn id="37" dur="500" fill="hold"/>
+                                        <p:tgtEl>
+                                          <p:spTgt spid="14">
+                                            <p:txEl>
+                                              <p:pRg st="5" end="5"/>
+                                            </p:txEl>
+                                          </p:spTgt>
+                                        </p:tgtEl>
+                                        <p:attrNameLst>
+                                          <p:attrName>ppt_x</p:attrName>
+                                        </p:attrNameLst>
+                                      </p:cBhvr>
+                                      <p:tavLst>
+                                        <p:tav tm="0">
+                                          <p:val>
+                                            <p:strVal val="#ppt_x"/>
+                                          </p:val>
+                                        </p:tav>
+                                        <p:tav tm="100000">
+                                          <p:val>
+                                            <p:strVal val="#ppt_x"/>
+                                          </p:val>
+                                        </p:tav>
+                                      </p:tavLst>
+                                    </p:anim>
+                                    <p:anim calcmode="lin" valueType="num">
+                                      <p:cBhvr additive="base">
+                                        <p:cTn id="38" dur="500" fill="hold"/>
+                                        <p:tgtEl>
+                                          <p:spTgt spid="14">
+                                            <p:txEl>
+                                              <p:pRg st="5" end="5"/>
+                                            </p:txEl>
+                                          </p:spTgt>
+                                        </p:tgtEl>
+                                        <p:attrNameLst>
+                                          <p:attrName>ppt_y</p:attrName>
+                                        </p:attrNameLst>
+                                      </p:cBhvr>
+                                      <p:tavLst>
+                                        <p:tav tm="0">
+                                          <p:val>
+                                            <p:strVal val="1+#ppt_h/2"/>
+                                          </p:val>
+                                        </p:tav>
+                                        <p:tav tm="100000">
+                                          <p:val>
+                                            <p:strVal val="#ppt_y"/>
+                                          </p:val>
+                                        </p:tav>
+                                      </p:tavLst>
+                                    </p:anim>
+                                  </p:childTnLst>
+                                </p:cTn>
+                              </p:par>
+                            </p:childTnLst>
+                          </p:cTn>
+                        </p:par>
+                      </p:childTnLst>
+                    </p:cTn>
+                  </p:par>
+                  <p:par>
+                    <p:cTn id="39" fill="hold">
+                      <p:stCondLst>
+                        <p:cond delay="indefinite"/>
+                      </p:stCondLst>
+                      <p:childTnLst>
+                        <p:par>
+                          <p:cTn id="40" fill="hold">
+                            <p:stCondLst>
+                              <p:cond delay="0"/>
+                            </p:stCondLst>
+                            <p:childTnLst>
+                              <p:par>
+                                <p:cTn id="41" presetID="2" presetClass="entr" presetSubtype="4" fill="hold" nodeType="clickEffect">
+                                  <p:stCondLst>
+                                    <p:cond delay="0"/>
+                                  </p:stCondLst>
+                                  <p:childTnLst>
+                                    <p:set>
+                                      <p:cBhvr>
+                                        <p:cTn id="42" dur="1" fill="hold">
+                                          <p:stCondLst>
+                                            <p:cond delay="0"/>
+                                          </p:stCondLst>
+                                        </p:cTn>
+                                        <p:tgtEl>
+                                          <p:spTgt spid="14">
+                                            <p:txEl>
+                                              <p:pRg st="6" end="6"/>
+                                            </p:txEl>
+                                          </p:spTgt>
+                                        </p:tgtEl>
+                                        <p:attrNameLst>
+                                          <p:attrName>style.visibility</p:attrName>
+                                        </p:attrNameLst>
+                                      </p:cBhvr>
+                                      <p:to>
+                                        <p:strVal val="visible"/>
+                                      </p:to>
+                                    </p:set>
+                                    <p:anim calcmode="lin" valueType="num">
+                                      <p:cBhvr additive="base">
+                                        <p:cTn id="43" dur="500" fill="hold"/>
+                                        <p:tgtEl>
+                                          <p:spTgt spid="14">
+                                            <p:txEl>
+                                              <p:pRg st="6" end="6"/>
+                                            </p:txEl>
+                                          </p:spTgt>
+                                        </p:tgtEl>
+                                        <p:attrNameLst>
+                                          <p:attrName>ppt_x</p:attrName>
+                                        </p:attrNameLst>
+                                      </p:cBhvr>
+                                      <p:tavLst>
+                                        <p:tav tm="0">
+                                          <p:val>
+                                            <p:strVal val="#ppt_x"/>
+                                          </p:val>
+                                        </p:tav>
+                                        <p:tav tm="100000">
+                                          <p:val>
+                                            <p:strVal val="#ppt_x"/>
+                                          </p:val>
+                                        </p:tav>
+                                      </p:tavLst>
+                                    </p:anim>
+                                    <p:anim calcmode="lin" valueType="num">
+                                      <p:cBhvr additive="base">
+                                        <p:cTn id="44" dur="500" fill="hold"/>
+                                        <p:tgtEl>
+                                          <p:spTgt spid="14">
+                                            <p:txEl>
+                                              <p:pRg st="6" end="6"/>
+                                            </p:txEl>
+                                          </p:spTgt>
+                                        </p:tgtEl>
+                                        <p:attrNameLst>
+                                          <p:attrName>ppt_y</p:attrName>
+                                        </p:attrNameLst>
+                                      </p:cBhvr>
+                                      <p:tavLst>
+                                        <p:tav tm="0">
+                                          <p:val>
+                                            <p:strVal val="1+#ppt_h/2"/>
+                                          </p:val>
+                                        </p:tav>
+                                        <p:tav tm="100000">
+                                          <p:val>
+                                            <p:strVal val="#ppt_y"/>
+                                          </p:val>
+                                        </p:tav>
+                                      </p:tavLst>
+                                    </p:anim>
+                                  </p:childTnLst>
+                                </p:cTn>
+                              </p:par>
+                            </p:childTnLst>
+                          </p:cTn>
+                        </p:par>
+                      </p:childTnLst>
+                    </p:cTn>
+                  </p:par>
+                </p:childTnLst>
+              </p:cTn>
+              <p:prevCondLst>
+                <p:cond evt="onPrev" delay="0">
+                  <p:tgtEl>
+                    <p:sldTgt/>
+                  </p:tgtEl>
+                </p:cond>
+              </p:prevCondLst>
+              <p:nextCondLst>
+                <p:cond evt="onNext" delay="0">
+                  <p:tgtEl>
+                    <p:sldTgt/>
+                  </p:tgtEl>
+                </p:cond>
+              </p:nextCondLst>
+            </p:seq>
+          </p:childTnLst>
+        </p:cTn>
+      </p:par>
+    </p:tnLst>
+  </p:timing>
+</p:sld>
+</file>
+
+<file path=ppt/slides/slide16.xml><?xml version="1.0" encoding="utf-8"?>
+<p:sld xmlns:a="http://schemas.openxmlformats.org/drawingml/2006/main" xmlns:r="http://schemas.openxmlformats.org/officeDocument/2006/relationships" xmlns:p="http://schemas.openxmlformats.org/presentationml/2006/main">
+  <p:cSld>
+    <p:spTree>
+      <p:nvGrpSpPr>
+        <p:cNvPr id="1" name=""/>
+        <p:cNvGrpSpPr/>
+        <p:nvPr/>
+      </p:nvGrpSpPr>
+      <p:grpSpPr>
+        <a:xfrm>
+          <a:off x="0" y="0"/>
+          <a:ext cx="0" cy="0"/>
+          <a:chOff x="0" y="0"/>
+          <a:chExt cx="0" cy="0"/>
+        </a:xfrm>
+      </p:grpSpPr>
+      <p:sp>
+        <p:nvSpPr>
+          <p:cNvPr id="13" name="Title 12"/>
+          <p:cNvSpPr>
+            <a:spLocks noGrp="1"/>
+          </p:cNvSpPr>
+          <p:nvPr>
+            <p:ph type="title"/>
+          </p:nvPr>
+        </p:nvSpPr>
+        <p:spPr/>
+        <p:txBody>
+          <a:bodyPr>
+            <a:normAutofit/>
+          </a:bodyPr>
+          <a:lstStyle/>
+          <a:p>
+            <a:r>
+              <a:rPr lang="en-US" sz="4000" dirty="0" err="1" smtClean="0">
+                <a:solidFill>
+                  <a:srgbClr val="00B0F0"/>
+                </a:solidFill>
+              </a:rPr>
+              <a:t>this</a:t>
+            </a:r>
+            <a:r>
+              <a:rPr lang="en-US" sz="4000" dirty="0" err="1" smtClean="0"/>
+              <a:t>.DoCodeReview</a:t>
+            </a:r>
+            <a:r>
+              <a:rPr lang="en-US" sz="4000" dirty="0" smtClean="0"/>
+              <a:t>()</a:t>
+            </a:r>
+            <a:endParaRPr sz="3600" dirty="0"/>
+          </a:p>
+        </p:txBody>
+      </p:sp>
+      <p:sp>
+        <p:nvSpPr>
+          <p:cNvPr id="14" name="Content Placeholder 13"/>
+          <p:cNvSpPr>
+            <a:spLocks noGrp="1"/>
+          </p:cNvSpPr>
+          <p:nvPr>
+            <p:ph idx="1"/>
+          </p:nvPr>
+        </p:nvSpPr>
+        <p:spPr/>
+        <p:txBody>
+          <a:bodyPr>
+            <a:normAutofit fontScale="92500" lnSpcReduction="10000"/>
+          </a:bodyPr>
+          <a:lstStyle/>
+          <a:p>
+            <a:pPr marL="0" indent="0">
+              <a:buNone/>
+            </a:pPr>
+            <a:r>
+              <a:rPr lang="en-US" sz="3200" dirty="0" smtClean="0"/>
+              <a:t>&lt;</a:t>
+            </a:r>
+            <a:r>
+              <a:rPr lang="en-US" sz="3200" dirty="0" err="1" smtClean="0"/>
+              <a:t>codeReview</a:t>
+            </a:r>
+            <a:r>
+              <a:rPr lang="en-US" sz="3200" dirty="0" smtClean="0"/>
+              <a:t>&gt;</a:t>
+            </a:r>
+            <a:br>
+              <a:rPr lang="en-US" sz="3200" dirty="0" smtClean="0"/>
+            </a:br>
+            <a:r>
+              <a:rPr lang="en-US" sz="3200" dirty="0" smtClean="0"/>
+              <a:t>  </a:t>
+            </a:r>
+            <a:r>
+              <a:rPr lang="en-US" sz="3200" dirty="0" smtClean="0"/>
+              <a:t> </a:t>
+            </a:r>
+            <a:r>
+              <a:rPr lang="en-US" sz="3200" dirty="0"/>
+              <a:t>&lt;</a:t>
+            </a:r>
+            <a:r>
+              <a:rPr lang="en-US" sz="3200" dirty="0" err="1"/>
+              <a:t>noteToPresenter</a:t>
+            </a:r>
+            <a:r>
+              <a:rPr lang="en-US" sz="3200" dirty="0" smtClean="0"/>
+              <a:t>&gt;</a:t>
+            </a:r>
+            <a:br>
+              <a:rPr lang="en-US" sz="3200" dirty="0" smtClean="0"/>
+            </a:br>
+            <a:r>
+              <a:rPr lang="en-US" sz="3200" dirty="0" smtClean="0"/>
+              <a:t>        </a:t>
+            </a:r>
+            <a:r>
+              <a:rPr lang="en-US" sz="3200" dirty="0">
+                <a:solidFill>
+                  <a:schemeClr val="accent5">
+                    <a:lumMod val="60000"/>
+                    <a:lumOff val="40000"/>
+                  </a:schemeClr>
+                </a:solidFill>
+              </a:rPr>
+              <a:t>Switch to Visual Studio now</a:t>
+            </a:r>
+            <a:r>
+              <a:rPr lang="en-US" sz="3200" dirty="0" smtClean="0">
+                <a:solidFill>
+                  <a:schemeClr val="accent5">
+                    <a:lumMod val="60000"/>
+                    <a:lumOff val="40000"/>
+                  </a:schemeClr>
+                </a:solidFill>
+              </a:rPr>
+              <a:t>.</a:t>
+            </a:r>
+            <a:br>
+              <a:rPr lang="en-US" sz="3200" dirty="0" smtClean="0">
+                <a:solidFill>
+                  <a:schemeClr val="accent5">
+                    <a:lumMod val="60000"/>
+                    <a:lumOff val="40000"/>
+                  </a:schemeClr>
+                </a:solidFill>
+              </a:rPr>
+            </a:br>
+            <a:r>
+              <a:rPr lang="en-US" sz="3200" dirty="0" smtClean="0"/>
+              <a:t>   </a:t>
+            </a:r>
+            <a:r>
+              <a:rPr lang="en-US" sz="3200" dirty="0"/>
+              <a:t>&lt;/</a:t>
+            </a:r>
+            <a:r>
+              <a:rPr lang="en-US" sz="3200" dirty="0" err="1"/>
+              <a:t>noteToPresenter</a:t>
+            </a:r>
+            <a:r>
+              <a:rPr lang="en-US" sz="3200" dirty="0"/>
+              <a:t>&gt;</a:t>
+            </a:r>
+            <a:br>
+              <a:rPr lang="en-US" sz="3200" dirty="0"/>
+            </a:br>
+            <a:r>
+              <a:rPr lang="en-US" sz="3200" dirty="0"/>
+              <a:t>   </a:t>
+            </a:r>
+            <a:r>
+              <a:rPr lang="en-US" sz="3200" dirty="0" smtClean="0"/>
+              <a:t>&lt;</a:t>
+            </a:r>
+            <a:r>
+              <a:rPr lang="en-US" sz="3200" dirty="0" err="1" smtClean="0"/>
+              <a:t>openQnA</a:t>
+            </a:r>
+            <a:r>
+              <a:rPr lang="en-US" sz="3200" dirty="0" smtClean="0"/>
+              <a:t>&gt;</a:t>
+            </a:r>
+          </a:p>
+          <a:p>
+            <a:pPr marL="0" indent="0">
+              <a:buNone/>
+            </a:pPr>
+            <a:r>
+              <a:rPr lang="en-US" sz="3200" dirty="0" smtClean="0"/>
+              <a:t>      </a:t>
+            </a:r>
+            <a:r>
+              <a:rPr lang="en-US" sz="3200" dirty="0"/>
+              <a:t>&lt;</a:t>
+            </a:r>
+            <a:r>
+              <a:rPr lang="en-US" sz="3200" dirty="0" err="1"/>
+              <a:t>askEasyQuestions</a:t>
+            </a:r>
+            <a:r>
+              <a:rPr lang="en-US" sz="3200" dirty="0"/>
+              <a:t> </a:t>
+            </a:r>
+            <a:r>
+              <a:rPr lang="en-US" sz="3200" dirty="0" smtClean="0"/>
+              <a:t>/&gt;</a:t>
+            </a:r>
+          </a:p>
+          <a:p>
+            <a:pPr marL="0" indent="0">
+              <a:buNone/>
+            </a:pPr>
+            <a:r>
+              <a:rPr lang="en-US" sz="3200" dirty="0" smtClean="0"/>
+              <a:t>      </a:t>
+            </a:r>
+            <a:r>
+              <a:rPr lang="en-US" sz="3200" dirty="0" smtClean="0">
+                <a:solidFill>
+                  <a:srgbClr val="92D050"/>
+                </a:solidFill>
+              </a:rPr>
+              <a:t>&lt;!-- &lt;</a:t>
+            </a:r>
+            <a:r>
+              <a:rPr lang="en-US" sz="3200" dirty="0" err="1" smtClean="0">
+                <a:solidFill>
+                  <a:srgbClr val="92D050"/>
+                </a:solidFill>
+              </a:rPr>
+              <a:t>stumpTheDummy</a:t>
+            </a:r>
+            <a:r>
+              <a:rPr lang="en-US" sz="3200" dirty="0" smtClean="0">
+                <a:solidFill>
+                  <a:srgbClr val="92D050"/>
+                </a:solidFill>
+              </a:rPr>
+              <a:t> /&gt; --&gt;</a:t>
+            </a:r>
+          </a:p>
+          <a:p>
+            <a:pPr marL="0" indent="0">
+              <a:buNone/>
+            </a:pPr>
+            <a:r>
+              <a:rPr lang="en-US" sz="3200" dirty="0" smtClean="0"/>
+              <a:t>   &lt;/</a:t>
+            </a:r>
+            <a:r>
+              <a:rPr lang="en-US" sz="3200" dirty="0" err="1" smtClean="0"/>
+              <a:t>openQnA</a:t>
+            </a:r>
+            <a:r>
+              <a:rPr lang="en-US" sz="3200" dirty="0" smtClean="0"/>
+              <a:t>&gt;</a:t>
+            </a:r>
+            <a:br>
+              <a:rPr lang="en-US" sz="3200" dirty="0" smtClean="0"/>
+            </a:br>
+            <a:r>
+              <a:rPr lang="en-US" sz="3200" dirty="0" smtClean="0"/>
+              <a:t>&lt;/</a:t>
+            </a:r>
+            <a:r>
+              <a:rPr lang="en-US" sz="3200" dirty="0" err="1" smtClean="0"/>
+              <a:t>codeReview</a:t>
+            </a:r>
+            <a:r>
+              <a:rPr lang="en-US" sz="3200" dirty="0" smtClean="0"/>
+              <a:t>&gt;</a:t>
+            </a:r>
+            <a:endParaRPr sz="3200" dirty="0"/>
+          </a:p>
+        </p:txBody>
+      </p:sp>
+    </p:spTree>
+    <p:extLst>
+      <p:ext uri="{BB962C8B-B14F-4D97-AF65-F5344CB8AC3E}">
+        <p14:creationId xmlns:p14="http://schemas.microsoft.com/office/powerpoint/2010/main" val="826243298"/>
+      </p:ext>
+    </p:extLst>
+  </p:cSld>
+  <p:clrMapOvr>
+    <a:masterClrMapping/>
+  </p:clrMapOvr>
+  <mc:AlternateContent xmlns:mc="http://schemas.openxmlformats.org/markup-compatibility/2006" xmlns:p14="http://schemas.microsoft.com/office/powerpoint/2010/main">
+    <mc:Choice Requires="p14">
+      <p:transition spd="slow" p14:dur="2000"/>
+    </mc:Choice>
+    <mc:Fallback xmlns="">
+      <p:transition spd="slow"/>
+    </mc:Fallback>
+  </mc:AlternateContent>
+  <p:timing>
+    <p:tnLst>
+      <p:par>
+        <p:cTn id="1" dur="indefinite" restart="never" nodeType="tmRoot"/>
+      </p:par>
+    </p:tnLst>
+  </p:timing>
+</p:sld>
+</file>
+
+<file path=ppt/slides/slide17.xml><?xml version="1.0" encoding="utf-8"?>
+<p:sld xmlns:a="http://schemas.openxmlformats.org/drawingml/2006/main" xmlns:r="http://schemas.openxmlformats.org/officeDocument/2006/relationships" xmlns:p="http://schemas.openxmlformats.org/presentationml/2006/main">
+  <p:cSld>
+    <p:spTree>
+      <p:nvGrpSpPr>
+        <p:cNvPr id="1" name=""/>
+        <p:cNvGrpSpPr/>
+        <p:nvPr/>
+      </p:nvGrpSpPr>
+      <p:grpSpPr>
+        <a:xfrm>
+          <a:off x="0" y="0"/>
+          <a:ext cx="0" cy="0"/>
+          <a:chOff x="0" y="0"/>
+          <a:chExt cx="0" cy="0"/>
+        </a:xfrm>
+      </p:grpSpPr>
+      <p:sp>
+        <p:nvSpPr>
+          <p:cNvPr id="13" name="Title 12"/>
+          <p:cNvSpPr>
+            <a:spLocks noGrp="1"/>
+          </p:cNvSpPr>
+          <p:nvPr>
+            <p:ph type="title"/>
+          </p:nvPr>
+        </p:nvSpPr>
+        <p:spPr/>
+        <p:txBody>
+          <a:bodyPr>
             <a:normAutofit/>
           </a:bodyPr>
           <a:lstStyle/>
@@ -7375,7 +9370,6 @@
               <a:rPr lang="en-US" sz="2800" dirty="0" smtClean="0"/>
               <a:t> </a:t>
             </a:r>
-            <a:endParaRPr lang="en-US" sz="2800" dirty="0" smtClean="0"/>
           </a:p>
           <a:p>
             <a:pPr lvl="1"/>
